--- a/10. 통합 구현/4조발표.pptx
+++ b/10. 통합 구현/4조발표.pptx
@@ -2,7 +2,7 @@
 <file path=ppt/presentation.xml><?xml version="1.0" encoding="utf-8"?>
 <p:presentation xmlns:a="http://schemas.openxmlformats.org/drawingml/2006/main" xmlns:r="http://schemas.openxmlformats.org/officeDocument/2006/relationships" xmlns:p="http://schemas.openxmlformats.org/presentationml/2006/main" xmlns:p14="http://schemas.microsoft.com/office/powerpoint/2010/main" saveSubsetFonts="1">
   <p:sldMasterIdLst>
-    <p:sldMasterId id="2147484243" r:id="rId13"/>
+    <p:sldMasterId id="2147484260" r:id="rId13"/>
   </p:sldMasterIdLst>
   <p:sldIdLst>
     <p:sldId id="263" r:id="rId15"/>
@@ -4550,7 +4550,7 @@
       </p:grpSpPr>
       <p:pic>
         <p:nvPicPr>
-          <p:cNvPr id="6" name="그림 5"/>
+          <p:cNvPr id="6" name="그림 5" descr="C:/Users/GDC3/AppData/Roaming/PolarisOffice/ETemp/8392_21640184/fImage14531318148467.png"/>
           <p:cNvPicPr>
             <a:picLocks noChangeAspect="1"/>
           </p:cNvPicPr>
@@ -4564,14 +4564,15 @@
               </a:ext>
             </a:extLst>
           </a:blip>
+          <a:srcRect/>
           <a:stretch>
             <a:fillRect/>
           </a:stretch>
         </p:blipFill>
         <p:spPr>
           <a:xfrm rot="0">
-            <a:off x="552450" y="432435"/>
-            <a:ext cx="8797925" cy="6007100"/>
+            <a:off x="552450" y="396875"/>
+            <a:ext cx="8799195" cy="6008370"/>
           </a:xfrm>
           <a:prstGeom prst="rect"/>
           <a:noFill/>
@@ -4588,7 +4589,7 @@
         <p:spPr>
           <a:xfrm rot="0">
             <a:off x="3375025" y="875030"/>
-            <a:ext cx="4081780" cy="770255"/>
+            <a:ext cx="4645025" cy="770255"/>
           </a:xfrm>
           <a:prstGeom prst="rect"/>
           <a:noFill/>
@@ -4598,12 +4599,12 @@
           </a:ln>
         </p:spPr>
         <p:txBody>
-          <a:bodyPr wrap="square" lIns="89535" tIns="46355" rIns="89535" bIns="46355" vert="horz" anchor="t">
+          <a:bodyPr wrap="square" lIns="89535" tIns="46355" rIns="89535" bIns="46355" numCol="1" vert="horz" anchor="t">
             <a:spAutoFit/>
           </a:bodyPr>
           <a:lstStyle/>
           <a:p>
-            <a:pPr marL="0" indent="0" algn="l" fontAlgn="auto" defTabSz="508000">
+            <a:pPr marL="0" indent="0" algn="l" fontAlgn="auto" defTabSz="508000" eaLnBrk="0" latinLnBrk="0">
               <a:lnSpc>
                 <a:spcPct val="100000"/>
               </a:lnSpc>
@@ -4644,7 +4645,7 @@
                 <a:latin typeface="맑은 고딕" charset="0"/>
                 <a:ea typeface="맑은 고딕" charset="0"/>
               </a:rPr>
-              <a:t>hven </a:t>
+              <a:t>hoven </a:t>
             </a:r>
             <a:r>
               <a:rPr lang="en-US" altLang="ko-KR" sz="4400" cap="none" dirty="0" smtClean="0" b="0" strike="noStrike">
@@ -4667,14 +4668,6 @@
               <a:t>olutions</a:t>
             </a:r>
             <a:endParaRPr lang="ko-KR" altLang="en-US" sz="3600" cap="none" dirty="0" smtClean="0" b="0" strike="noStrike">
-              <a:ln w="0" cap="flat" cmpd="sng">
-                <a:solidFill>
-                  <a:schemeClr val="bg1">
-                    <a:alpha val="100000"/>
-                  </a:schemeClr>
-                </a:solidFill>
-                <a:prstDash val="solid"/>
-              </a:ln>
               <a:solidFill>
                 <a:schemeClr val="tx1"/>
               </a:solidFill>
@@ -4845,6 +4838,59 @@
           <a:noFill/>
         </p:spPr>
       </p:pic>
+      <p:sp>
+        <p:nvSpPr>
+          <p:cNvPr id="7" name="텍스트 상자 6"/>
+          <p:cNvSpPr txBox="1">
+            <a:spLocks/>
+          </p:cNvSpPr>
+          <p:nvPr/>
+        </p:nvSpPr>
+        <p:spPr>
+          <a:xfrm rot="0">
+            <a:off x="8938895" y="6019165"/>
+            <a:ext cx="313690" cy="370205"/>
+          </a:xfrm>
+          <a:prstGeom prst="rect"/>
+          <a:noFill/>
+          <a:ln w="0">
+            <a:noFill/>
+            <a:prstDash/>
+          </a:ln>
+        </p:spPr>
+        <p:txBody>
+          <a:bodyPr wrap="square" lIns="89535" tIns="46355" rIns="89535" bIns="46355" vert="horz" anchor="t">
+            <a:spAutoFit/>
+          </a:bodyPr>
+          <a:lstStyle/>
+          <a:p>
+            <a:pPr marL="0" indent="0" algn="l" fontAlgn="auto" defTabSz="508000">
+              <a:lnSpc>
+                <a:spcPct val="100000"/>
+              </a:lnSpc>
+              <a:spcBef>
+                <a:spcPts val="0"/>
+              </a:spcBef>
+              <a:spcAft>
+                <a:spcPts val="0"/>
+              </a:spcAft>
+              <a:buFontTx/>
+              <a:buNone/>
+            </a:pPr>
+            <a:r>
+              <a:rPr lang="en-US" altLang="ko-KR" sz="1800" cap="none" dirty="0" smtClean="0" b="0" strike="noStrike">
+                <a:latin typeface="맑은 고딕" charset="0"/>
+                <a:ea typeface="맑은 고딕" charset="0"/>
+              </a:rPr>
+              <a:t>1</a:t>
+            </a:r>
+            <a:endParaRPr lang="ko-KR" altLang="en-US" sz="1800" cap="none" dirty="0" smtClean="0" b="0" strike="noStrike">
+              <a:latin typeface="맑은 고딕" charset="0"/>
+              <a:ea typeface="맑은 고딕" charset="0"/>
+            </a:endParaRPr>
+          </a:p>
+        </p:txBody>
+      </p:sp>
     </p:spTree>
   </p:cSld>
   <p:clrMapOvr>
@@ -4996,6 +5042,59 @@
           <a:noFill/>
         </p:spPr>
       </p:pic>
+      <p:sp>
+        <p:nvSpPr>
+          <p:cNvPr id="19" name="텍스트 상자 18"/>
+          <p:cNvSpPr txBox="1">
+            <a:spLocks/>
+          </p:cNvSpPr>
+          <p:nvPr/>
+        </p:nvSpPr>
+        <p:spPr>
+          <a:xfrm rot="0">
+            <a:off x="8938895" y="6019165"/>
+            <a:ext cx="447675" cy="370205"/>
+          </a:xfrm>
+          <a:prstGeom prst="rect"/>
+          <a:noFill/>
+          <a:ln w="0">
+            <a:noFill/>
+            <a:prstDash/>
+          </a:ln>
+        </p:spPr>
+        <p:txBody>
+          <a:bodyPr wrap="square" lIns="89535" tIns="46355" rIns="89535" bIns="46355" vert="horz" anchor="t">
+            <a:spAutoFit/>
+          </a:bodyPr>
+          <a:lstStyle/>
+          <a:p>
+            <a:pPr marL="0" indent="0" algn="l" fontAlgn="auto" defTabSz="508000">
+              <a:lnSpc>
+                <a:spcPct val="100000"/>
+              </a:lnSpc>
+              <a:spcBef>
+                <a:spcPts val="0"/>
+              </a:spcBef>
+              <a:spcAft>
+                <a:spcPts val="0"/>
+              </a:spcAft>
+              <a:buFontTx/>
+              <a:buNone/>
+            </a:pPr>
+            <a:r>
+              <a:rPr lang="en-US" altLang="ko-KR" sz="1800" cap="none" dirty="0" smtClean="0" b="0" strike="noStrike">
+                <a:latin typeface="맑은 고딕" charset="0"/>
+                <a:ea typeface="맑은 고딕" charset="0"/>
+              </a:rPr>
+              <a:t>10</a:t>
+            </a:r>
+            <a:endParaRPr lang="ko-KR" altLang="en-US" sz="1800" cap="none" dirty="0" smtClean="0" b="0" strike="noStrike">
+              <a:latin typeface="맑은 고딕" charset="0"/>
+              <a:ea typeface="맑은 고딕" charset="0"/>
+            </a:endParaRPr>
+          </a:p>
+        </p:txBody>
+      </p:sp>
     </p:spTree>
   </p:cSld>
   <p:clrMapOvr>
@@ -5047,7 +5146,7 @@
         <p:spPr>
           <a:xfrm>
             <a:off x="1652905" y="1080135"/>
-            <a:ext cx="6661785" cy="4215130"/>
+            <a:ext cx="6662420" cy="4215130"/>
           </a:xfrm>
           <a:prstGeom prst="rect"/>
           <a:noFill/>
@@ -5248,7 +5347,7 @@
                 <a:latin typeface="맑은 고딕" charset="0"/>
                 <a:ea typeface="맑은 고딕" charset="0"/>
               </a:rPr>
-              <a:t>5. 시현</a:t>
+              <a:t>5. 시연</a:t>
             </a:r>
             <a:endParaRPr lang="ko-KR" altLang="en-US" sz="3200" cap="none" dirty="0" smtClean="0" b="0" strike="noStrike">
               <a:latin typeface="맑은 고딕" charset="0"/>
@@ -5312,6 +5411,59 @@
           <a:noFill/>
         </p:spPr>
       </p:pic>
+      <p:sp>
+        <p:nvSpPr>
+          <p:cNvPr id="4" name="텍스트 상자 3"/>
+          <p:cNvSpPr txBox="1">
+            <a:spLocks/>
+          </p:cNvSpPr>
+          <p:nvPr/>
+        </p:nvSpPr>
+        <p:spPr>
+          <a:xfrm rot="0">
+            <a:off x="8938895" y="6019165"/>
+            <a:ext cx="313690" cy="370205"/>
+          </a:xfrm>
+          <a:prstGeom prst="rect"/>
+          <a:noFill/>
+          <a:ln w="0">
+            <a:noFill/>
+            <a:prstDash/>
+          </a:ln>
+        </p:spPr>
+        <p:txBody>
+          <a:bodyPr wrap="square" lIns="89535" tIns="46355" rIns="89535" bIns="46355" vert="horz" anchor="t">
+            <a:spAutoFit/>
+          </a:bodyPr>
+          <a:lstStyle/>
+          <a:p>
+            <a:pPr marL="0" indent="0" algn="l" fontAlgn="auto" defTabSz="508000">
+              <a:lnSpc>
+                <a:spcPct val="100000"/>
+              </a:lnSpc>
+              <a:spcBef>
+                <a:spcPts val="0"/>
+              </a:spcBef>
+              <a:spcAft>
+                <a:spcPts val="0"/>
+              </a:spcAft>
+              <a:buFontTx/>
+              <a:buNone/>
+            </a:pPr>
+            <a:r>
+              <a:rPr lang="en-US" altLang="ko-KR" sz="1800" cap="none" dirty="0" smtClean="0" b="0" strike="noStrike">
+                <a:latin typeface="맑은 고딕" charset="0"/>
+                <a:ea typeface="맑은 고딕" charset="0"/>
+              </a:rPr>
+              <a:t>2</a:t>
+            </a:r>
+            <a:endParaRPr lang="ko-KR" altLang="en-US" sz="1800" cap="none" dirty="0" smtClean="0" b="0" strike="noStrike">
+              <a:latin typeface="맑은 고딕" charset="0"/>
+              <a:ea typeface="맑은 고딕" charset="0"/>
+            </a:endParaRPr>
+          </a:p>
+        </p:txBody>
+      </p:sp>
     </p:spTree>
   </p:cSld>
   <p:clrMapOvr>
@@ -5494,7 +5646,7 @@
       </p:pic>
       <p:pic>
         <p:nvPicPr>
-          <p:cNvPr id="21" name="그림 20" descr="C:/Users/GDC3/AppData/Roaming/PolarisOffice/ETemp/10308_2589712/fImage7343418279358.png"/>
+          <p:cNvPr id="21" name="그림 20"/>
           <p:cNvPicPr>
             <a:picLocks noChangeAspect="1"/>
           </p:cNvPicPr>
@@ -6154,7 +6306,7 @@
         <p:spPr>
           <a:xfrm>
             <a:off x="3848735" y="982345"/>
-            <a:ext cx="2279015" cy="1200785"/>
+            <a:ext cx="2279650" cy="1200785"/>
           </a:xfrm>
           <a:prstGeom prst="rect"/>
           <a:noFill/>
@@ -6187,7 +6339,60 @@
                 <a:latin typeface="맑은 고딕" charset="0"/>
                 <a:ea typeface="맑은 고딕" charset="0"/>
               </a:rPr>
-              <a:t>Web api 및 기구폼 통계폼 회원폼 기능 구현 및 프로시저 구성</a:t>
+              <a:t>Web api 및 기구폼 통계폼 회원폼 기능 구현 및 프로시저 구성, 모듈화</a:t>
+            </a:r>
+            <a:endParaRPr lang="ko-KR" altLang="en-US" sz="1800" cap="none" dirty="0" smtClean="0" b="0" strike="noStrike">
+              <a:latin typeface="맑은 고딕" charset="0"/>
+              <a:ea typeface="맑은 고딕" charset="0"/>
+            </a:endParaRPr>
+          </a:p>
+        </p:txBody>
+      </p:sp>
+      <p:sp>
+        <p:nvSpPr>
+          <p:cNvPr id="33" name="텍스트 상자 32"/>
+          <p:cNvSpPr txBox="1">
+            <a:spLocks/>
+          </p:cNvSpPr>
+          <p:nvPr/>
+        </p:nvSpPr>
+        <p:spPr>
+          <a:xfrm rot="0">
+            <a:off x="8938895" y="6019165"/>
+            <a:ext cx="313690" cy="370205"/>
+          </a:xfrm>
+          <a:prstGeom prst="rect"/>
+          <a:noFill/>
+          <a:ln w="0">
+            <a:noFill/>
+            <a:prstDash/>
+          </a:ln>
+        </p:spPr>
+        <p:txBody>
+          <a:bodyPr wrap="square" lIns="89535" tIns="46355" rIns="89535" bIns="46355" vert="horz" anchor="t">
+            <a:spAutoFit/>
+          </a:bodyPr>
+          <a:lstStyle/>
+          <a:p>
+            <a:pPr marL="0" indent="0" algn="l" fontAlgn="auto" defTabSz="508000">
+              <a:lnSpc>
+                <a:spcPct val="100000"/>
+              </a:lnSpc>
+              <a:spcBef>
+                <a:spcPts val="0"/>
+              </a:spcBef>
+              <a:spcAft>
+                <a:spcPts val="0"/>
+              </a:spcAft>
+              <a:buFontTx/>
+              <a:buNone/>
+            </a:pPr>
+            <a:r>
+              <a:rPr lang="en-US" altLang="ko-KR" sz="1800" cap="none" dirty="0" smtClean="0" b="0" strike="noStrike">
+                <a:latin typeface="맑은 고딕" charset="0"/>
+                <a:ea typeface="맑은 고딕" charset="0"/>
+              </a:rPr>
+              <a:t>3</a:t>
             </a:r>
             <a:endParaRPr lang="ko-KR" altLang="en-US" sz="1800" cap="none" dirty="0" smtClean="0" b="0" strike="noStrike">
               <a:latin typeface="맑은 고딕" charset="0"/>
@@ -6320,35 +6525,6 @@
       </p:sp>
       <p:pic>
         <p:nvPicPr>
-          <p:cNvPr id="19" name="그림 18"/>
-          <p:cNvPicPr>
-            <a:picLocks noChangeAspect="1"/>
-          </p:cNvPicPr>
-          <p:nvPr/>
-        </p:nvPicPr>
-        <p:blipFill rotWithShape="1">
-          <a:blip r:embed="rId3">
-            <a:extLst>
-              <a:ext uri="{28A0092B-C50C-407E-A947-70E740481C1C}">
-                <a14:useLocalDpi xmlns:a14="http://schemas.microsoft.com/office/drawing/2010/main" val="0"/>
-              </a:ext>
-            </a:extLst>
-          </a:blip>
-          <a:stretch>
-            <a:fillRect/>
-          </a:stretch>
-        </p:blipFill>
-        <p:spPr>
-          <a:xfrm rot="0">
-            <a:off x="3729990" y="1737360"/>
-            <a:ext cx="1866265" cy="1388745"/>
-          </a:xfrm>
-          <a:prstGeom prst="rect"/>
-          <a:noFill/>
-        </p:spPr>
-      </p:pic>
-      <p:pic>
-        <p:nvPicPr>
           <p:cNvPr id="20" name="그림 19"/>
           <p:cNvPicPr>
             <a:picLocks noChangeAspect="1"/>
@@ -6463,6 +6639,88 @@
           <a:noFill/>
         </p:spPr>
       </p:pic>
+      <p:pic>
+        <p:nvPicPr>
+          <p:cNvPr id="24" name="그림 23" descr="C:/Users/GDC3/AppData/Roaming/PolarisOffice/ETemp/5360_1327208/fImage1143816941.png"/>
+          <p:cNvPicPr>
+            <a:picLocks noChangeAspect="1"/>
+          </p:cNvPicPr>
+          <p:nvPr/>
+        </p:nvPicPr>
+        <p:blipFill rotWithShape="1">
+          <a:blip r:embed="rId8">
+            <a:extLst>
+              <a:ext uri="{28A0092B-C50C-407E-A947-70E740481C1C}">
+                <a14:useLocalDpi xmlns:a14="http://schemas.microsoft.com/office/drawing/2010/main" val="0"/>
+              </a:ext>
+            </a:extLst>
+          </a:blip>
+          <a:stretch>
+            <a:fillRect/>
+          </a:stretch>
+        </p:blipFill>
+        <p:spPr>
+          <a:xfrm rot="0">
+            <a:off x="3689350" y="1780540"/>
+            <a:ext cx="1917700" cy="1336040"/>
+          </a:xfrm>
+          <a:prstGeom prst="rect"/>
+          <a:noFill/>
+        </p:spPr>
+      </p:pic>
+      <p:sp>
+        <p:nvSpPr>
+          <p:cNvPr id="25" name="텍스트 상자 24"/>
+          <p:cNvSpPr txBox="1">
+            <a:spLocks/>
+          </p:cNvSpPr>
+          <p:nvPr/>
+        </p:nvSpPr>
+        <p:spPr>
+          <a:xfrm rot="0">
+            <a:off x="8938895" y="6019165"/>
+            <a:ext cx="313690" cy="370205"/>
+          </a:xfrm>
+          <a:prstGeom prst="rect"/>
+          <a:noFill/>
+          <a:ln w="0">
+            <a:noFill/>
+            <a:prstDash/>
+          </a:ln>
+        </p:spPr>
+        <p:txBody>
+          <a:bodyPr wrap="square" lIns="89535" tIns="46355" rIns="89535" bIns="46355" vert="horz" anchor="t">
+            <a:spAutoFit/>
+          </a:bodyPr>
+          <a:lstStyle/>
+          <a:p>
+            <a:pPr marL="0" indent="0" algn="l" fontAlgn="auto" defTabSz="508000">
+              <a:lnSpc>
+                <a:spcPct val="100000"/>
+              </a:lnSpc>
+              <a:spcBef>
+                <a:spcPts val="0"/>
+              </a:spcBef>
+              <a:spcAft>
+                <a:spcPts val="0"/>
+              </a:spcAft>
+              <a:buFontTx/>
+              <a:buNone/>
+            </a:pPr>
+            <a:r>
+              <a:rPr lang="en-US" altLang="ko-KR" sz="1800" cap="none" dirty="0" smtClean="0" b="0" strike="noStrike">
+                <a:latin typeface="맑은 고딕" charset="0"/>
+                <a:ea typeface="맑은 고딕" charset="0"/>
+              </a:rPr>
+              <a:t>4</a:t>
+            </a:r>
+            <a:endParaRPr lang="ko-KR" altLang="en-US" sz="1800" cap="none" dirty="0" smtClean="0" b="0" strike="noStrike">
+              <a:latin typeface="맑은 고딕" charset="0"/>
+              <a:ea typeface="맑은 고딕" charset="0"/>
+            </a:endParaRPr>
+          </a:p>
+        </p:txBody>
+      </p:sp>
     </p:spTree>
   </p:cSld>
   <p:clrMapOvr>
@@ -6513,8 +6771,8 @@
         </p:nvSpPr>
         <p:spPr>
           <a:xfrm rot="0">
-            <a:off x="7246620" y="1285875"/>
-            <a:ext cx="1519555" cy="4707255"/>
+            <a:off x="6398260" y="1285875"/>
+            <a:ext cx="1520190" cy="4707890"/>
           </a:xfrm>
           <a:prstGeom prst="rect"/>
           <a:ln w="57150" cap="flat" cmpd="sng">
@@ -6542,7 +6800,7 @@
           </a:fontRef>
         </p:style>
         <p:txBody>
-          <a:bodyPr wrap="square" lIns="91440" tIns="45720" rIns="91440" bIns="45720" vert="horz" anchor="ctr">
+          <a:bodyPr wrap="square" lIns="91440" tIns="45720" rIns="91440" bIns="45720" numCol="1" vert="horz" anchor="ctr">
             <a:noAutofit/>
           </a:bodyPr>
           <a:lstStyle/>
@@ -6680,8 +6938,8 @@
         </p:blipFill>
         <p:spPr>
           <a:xfrm rot="0">
-            <a:off x="7687310" y="1572260"/>
-            <a:ext cx="635635" cy="2493645"/>
+            <a:off x="6838950" y="1572260"/>
+            <a:ext cx="636270" cy="2494280"/>
           </a:xfrm>
           <a:prstGeom prst="rect"/>
           <a:noFill/>
@@ -6710,8 +6968,8 @@
         </p:blipFill>
         <p:spPr>
           <a:xfrm rot="0">
-            <a:off x="7595235" y="4304665"/>
-            <a:ext cx="811530" cy="1604010"/>
+            <a:off x="6746875" y="4304665"/>
+            <a:ext cx="812165" cy="1604645"/>
           </a:xfrm>
           <a:prstGeom prst="rect"/>
           <a:noFill/>
@@ -6886,8 +7144,8 @@
         </p:nvSpPr>
         <p:spPr>
           <a:xfrm rot="0">
-            <a:off x="7660005" y="875030"/>
-            <a:ext cx="679450" cy="370205"/>
+            <a:off x="6811645" y="875030"/>
+            <a:ext cx="680085" cy="370840"/>
           </a:xfrm>
           <a:prstGeom prst="rect"/>
           <a:noFill/>
@@ -6897,7 +7155,7 @@
           </a:ln>
         </p:spPr>
         <p:txBody>
-          <a:bodyPr wrap="square" lIns="89535" tIns="46355" rIns="89535" bIns="46355" vert="horz" anchor="t">
+          <a:bodyPr wrap="square" lIns="89535" tIns="46355" rIns="89535" bIns="46355" numCol="1" vert="horz" anchor="t">
             <a:spAutoFit/>
           </a:bodyPr>
           <a:lstStyle/>
@@ -7011,38 +7269,9 @@
           <a:noFill/>
         </p:spPr>
       </p:pic>
-      <p:pic>
-        <p:nvPicPr>
-          <p:cNvPr id="15" name="그림 14"/>
-          <p:cNvPicPr>
-            <a:picLocks noChangeAspect="1"/>
-          </p:cNvPicPr>
-          <p:nvPr/>
-        </p:nvPicPr>
-        <p:blipFill rotWithShape="1">
-          <a:blip r:embed="rId8">
-            <a:extLst>
-              <a:ext uri="{28A0092B-C50C-407E-A947-70E740481C1C}">
-                <a14:useLocalDpi xmlns:a14="http://schemas.microsoft.com/office/drawing/2010/main" val="0"/>
-              </a:ext>
-            </a:extLst>
-          </a:blip>
-          <a:stretch>
-            <a:fillRect/>
-          </a:stretch>
-        </p:blipFill>
-        <p:spPr>
-          <a:xfrm rot="0">
-            <a:off x="5626735" y="2595880"/>
-            <a:ext cx="1438910" cy="2077085"/>
-          </a:xfrm>
-          <a:prstGeom prst="rect"/>
-          <a:noFill/>
-        </p:spPr>
-      </p:pic>
-      <p:sp>
-        <p:nvSpPr>
-          <p:cNvPr id="16" name="텍스트 상자 15"/>
+      <p:sp>
+        <p:nvSpPr>
+          <p:cNvPr id="15" name="텍스트 상자 14"/>
           <p:cNvSpPr txBox="1">
             <a:spLocks/>
           </p:cNvSpPr>
@@ -7050,8 +7279,8 @@
         </p:nvSpPr>
         <p:spPr>
           <a:xfrm rot="0">
-            <a:off x="5722620" y="2232660"/>
-            <a:ext cx="1243965" cy="370205"/>
+            <a:off x="8938895" y="6019165"/>
+            <a:ext cx="313690" cy="370205"/>
           </a:xfrm>
           <a:prstGeom prst="rect"/>
           <a:noFill/>
@@ -7066,7 +7295,7 @@
           </a:bodyPr>
           <a:lstStyle/>
           <a:p>
-            <a:pPr marL="0" indent="0" algn="l" fontAlgn="auto" defTabSz="508000" eaLnBrk="0" latinLnBrk="0">
+            <a:pPr marL="0" indent="0" algn="l" fontAlgn="auto" defTabSz="508000">
               <a:lnSpc>
                 <a:spcPct val="100000"/>
               </a:lnSpc>
@@ -7084,7 +7313,7 @@
                 <a:latin typeface="맑은 고딕" charset="0"/>
                 <a:ea typeface="맑은 고딕" charset="0"/>
               </a:rPr>
-              <a:t>procedure </a:t>
+              <a:t>5</a:t>
             </a:r>
             <a:endParaRPr lang="ko-KR" altLang="en-US" sz="1800" cap="none" dirty="0" smtClean="0" b="0" strike="noStrike">
               <a:latin typeface="맑은 고딕" charset="0"/>
@@ -7503,7 +7732,7 @@
       </p:sp>
       <p:pic>
         <p:nvPicPr>
-          <p:cNvPr id="22" name="그림 21" descr="C:/Users/gd8/AppData/Roaming/PolarisOffice/ETemp/7980_13393264/fImage198319341.png"/>
+          <p:cNvPr id="22" name="그림 21"/>
           <p:cNvPicPr>
             <a:picLocks noChangeAspect="1"/>
           </p:cNvPicPr>
@@ -7601,6 +7830,59 @@
                 <a:ea typeface="맑은 고딕" charset="0"/>
               </a:rPr>
               <a:t>User_select : 몸무게 읽어오는 기능</a:t>
+            </a:r>
+            <a:endParaRPr lang="ko-KR" altLang="en-US" sz="1800" cap="none" dirty="0" smtClean="0" b="0" strike="noStrike">
+              <a:latin typeface="맑은 고딕" charset="0"/>
+              <a:ea typeface="맑은 고딕" charset="0"/>
+            </a:endParaRPr>
+          </a:p>
+        </p:txBody>
+      </p:sp>
+      <p:sp>
+        <p:nvSpPr>
+          <p:cNvPr id="24" name="텍스트 상자 23"/>
+          <p:cNvSpPr txBox="1">
+            <a:spLocks/>
+          </p:cNvSpPr>
+          <p:nvPr/>
+        </p:nvSpPr>
+        <p:spPr>
+          <a:xfrm rot="0">
+            <a:off x="8938895" y="6019165"/>
+            <a:ext cx="313690" cy="370205"/>
+          </a:xfrm>
+          <a:prstGeom prst="rect"/>
+          <a:noFill/>
+          <a:ln w="0">
+            <a:noFill/>
+            <a:prstDash/>
+          </a:ln>
+        </p:spPr>
+        <p:txBody>
+          <a:bodyPr wrap="square" lIns="89535" tIns="46355" rIns="89535" bIns="46355" vert="horz" anchor="t">
+            <a:spAutoFit/>
+          </a:bodyPr>
+          <a:lstStyle/>
+          <a:p>
+            <a:pPr marL="0" indent="0" algn="l" fontAlgn="auto" defTabSz="508000">
+              <a:lnSpc>
+                <a:spcPct val="100000"/>
+              </a:lnSpc>
+              <a:spcBef>
+                <a:spcPts val="0"/>
+              </a:spcBef>
+              <a:spcAft>
+                <a:spcPts val="0"/>
+              </a:spcAft>
+              <a:buFontTx/>
+              <a:buNone/>
+            </a:pPr>
+            <a:r>
+              <a:rPr lang="en-US" altLang="ko-KR" sz="1800" cap="none" dirty="0" smtClean="0" b="0" strike="noStrike">
+                <a:latin typeface="맑은 고딕" charset="0"/>
+                <a:ea typeface="맑은 고딕" charset="0"/>
+              </a:rPr>
+              <a:t>6</a:t>
             </a:r>
             <a:endParaRPr lang="ko-KR" altLang="en-US" sz="1800" cap="none" dirty="0" smtClean="0" b="0" strike="noStrike">
               <a:latin typeface="맑은 고딕" charset="0"/>
@@ -8410,6 +8692,59 @@
           </a:p>
         </p:txBody>
       </p:sp>
+      <p:sp>
+        <p:nvSpPr>
+          <p:cNvPr id="18" name="텍스트 상자 17"/>
+          <p:cNvSpPr txBox="1">
+            <a:spLocks/>
+          </p:cNvSpPr>
+          <p:nvPr/>
+        </p:nvSpPr>
+        <p:spPr>
+          <a:xfrm rot="0">
+            <a:off x="8938895" y="6019165"/>
+            <a:ext cx="313690" cy="370205"/>
+          </a:xfrm>
+          <a:prstGeom prst="rect"/>
+          <a:noFill/>
+          <a:ln w="0">
+            <a:noFill/>
+            <a:prstDash/>
+          </a:ln>
+        </p:spPr>
+        <p:txBody>
+          <a:bodyPr wrap="square" lIns="89535" tIns="46355" rIns="89535" bIns="46355" vert="horz" anchor="t">
+            <a:spAutoFit/>
+          </a:bodyPr>
+          <a:lstStyle/>
+          <a:p>
+            <a:pPr marL="0" indent="0" algn="l" fontAlgn="auto" defTabSz="508000">
+              <a:lnSpc>
+                <a:spcPct val="100000"/>
+              </a:lnSpc>
+              <a:spcBef>
+                <a:spcPts val="0"/>
+              </a:spcBef>
+              <a:spcAft>
+                <a:spcPts val="0"/>
+              </a:spcAft>
+              <a:buFontTx/>
+              <a:buNone/>
+            </a:pPr>
+            <a:r>
+              <a:rPr lang="en-US" altLang="ko-KR" sz="1800" cap="none" dirty="0" smtClean="0" b="0" strike="noStrike">
+                <a:latin typeface="맑은 고딕" charset="0"/>
+                <a:ea typeface="맑은 고딕" charset="0"/>
+              </a:rPr>
+              <a:t>7</a:t>
+            </a:r>
+            <a:endParaRPr lang="ko-KR" altLang="en-US" sz="1800" cap="none" dirty="0" smtClean="0" b="0" strike="noStrike">
+              <a:latin typeface="맑은 고딕" charset="0"/>
+              <a:ea typeface="맑은 고딕" charset="0"/>
+            </a:endParaRPr>
+          </a:p>
+        </p:txBody>
+      </p:sp>
     </p:spTree>
   </p:cSld>
   <p:clrMapOvr>
@@ -10207,6 +10542,59 @@
               <a:t>4.흐름도</a:t>
             </a:r>
             <a:endParaRPr lang="ko-KR" altLang="en-US" sz="2000" cap="none" dirty="0" smtClean="0" b="0" strike="noStrike">
+              <a:latin typeface="맑은 고딕" charset="0"/>
+              <a:ea typeface="맑은 고딕" charset="0"/>
+            </a:endParaRPr>
+          </a:p>
+        </p:txBody>
+      </p:sp>
+      <p:sp>
+        <p:nvSpPr>
+          <p:cNvPr id="38" name="텍스트 상자 37"/>
+          <p:cNvSpPr txBox="1">
+            <a:spLocks/>
+          </p:cNvSpPr>
+          <p:nvPr/>
+        </p:nvSpPr>
+        <p:spPr>
+          <a:xfrm rot="0">
+            <a:off x="8938895" y="6019165"/>
+            <a:ext cx="313690" cy="370205"/>
+          </a:xfrm>
+          <a:prstGeom prst="rect"/>
+          <a:noFill/>
+          <a:ln w="0">
+            <a:noFill/>
+            <a:prstDash/>
+          </a:ln>
+        </p:spPr>
+        <p:txBody>
+          <a:bodyPr wrap="square" lIns="89535" tIns="46355" rIns="89535" bIns="46355" vert="horz" anchor="t">
+            <a:spAutoFit/>
+          </a:bodyPr>
+          <a:lstStyle/>
+          <a:p>
+            <a:pPr marL="0" indent="0" algn="l" fontAlgn="auto" defTabSz="508000">
+              <a:lnSpc>
+                <a:spcPct val="100000"/>
+              </a:lnSpc>
+              <a:spcBef>
+                <a:spcPts val="0"/>
+              </a:spcBef>
+              <a:spcAft>
+                <a:spcPts val="0"/>
+              </a:spcAft>
+              <a:buFontTx/>
+              <a:buNone/>
+            </a:pPr>
+            <a:r>
+              <a:rPr lang="en-US" altLang="ko-KR" sz="1800" cap="none" dirty="0" smtClean="0" b="0" strike="noStrike">
+                <a:latin typeface="맑은 고딕" charset="0"/>
+                <a:ea typeface="맑은 고딕" charset="0"/>
+              </a:rPr>
+              <a:t>8</a:t>
+            </a:r>
+            <a:endParaRPr lang="ko-KR" altLang="en-US" sz="1800" cap="none" dirty="0" smtClean="0" b="0" strike="noStrike">
               <a:latin typeface="맑은 고딕" charset="0"/>
               <a:ea typeface="맑은 고딕" charset="0"/>
             </a:endParaRPr>
@@ -10291,9 +10679,9 @@
           <p:nvPr/>
         </p:nvSpPr>
         <p:spPr>
-          <a:xfrm rot="0">
+          <a:xfrm>
             <a:off x="687705" y="53340"/>
-            <a:ext cx="4590415" cy="400685"/>
+            <a:ext cx="4591050" cy="400685"/>
           </a:xfrm>
           <a:prstGeom prst="rect"/>
           <a:noFill/>
@@ -10303,7 +10691,7 @@
           </a:ln>
         </p:spPr>
         <p:txBody>
-          <a:bodyPr wrap="square" lIns="89535" tIns="46355" rIns="89535" bIns="46355" vert="horz" anchor="t">
+          <a:bodyPr wrap="square" lIns="89535" tIns="46355" rIns="89535" bIns="46355" numCol="1" vert="horz" anchor="t">
             <a:spAutoFit/>
           </a:bodyPr>
           <a:lstStyle/>
@@ -10326,7 +10714,7 @@
                 <a:latin typeface="맑은 고딕" charset="0"/>
                 <a:ea typeface="맑은 고딕" charset="0"/>
               </a:rPr>
-              <a:t>5. 시현</a:t>
+              <a:t>5. 시연</a:t>
             </a:r>
             <a:endParaRPr lang="ko-KR" altLang="en-US" sz="2000" cap="none" dirty="0" smtClean="0" b="0" strike="noStrike">
               <a:latin typeface="맑은 고딕" charset="0"/>
@@ -10373,9 +10761,9 @@
           <p:nvPr/>
         </p:nvSpPr>
         <p:spPr>
-          <a:xfrm rot="0">
+          <a:xfrm>
             <a:off x="4439285" y="3821430"/>
-            <a:ext cx="1389380" cy="770255"/>
+            <a:ext cx="1390015" cy="770255"/>
           </a:xfrm>
           <a:prstGeom prst="rect"/>
           <a:noFill/>
@@ -10385,6 +10773,59 @@
           </a:ln>
         </p:spPr>
         <p:txBody>
+          <a:bodyPr wrap="square" lIns="89535" tIns="46355" rIns="89535" bIns="46355" numCol="1" vert="horz" anchor="t">
+            <a:spAutoFit/>
+          </a:bodyPr>
+          <a:lstStyle/>
+          <a:p>
+            <a:pPr marL="0" indent="0" algn="l" fontAlgn="auto" defTabSz="508000" eaLnBrk="0" latinLnBrk="0">
+              <a:lnSpc>
+                <a:spcPct val="100000"/>
+              </a:lnSpc>
+              <a:spcBef>
+                <a:spcPts val="0"/>
+              </a:spcBef>
+              <a:spcAft>
+                <a:spcPts val="0"/>
+              </a:spcAft>
+              <a:buFontTx/>
+              <a:buNone/>
+            </a:pPr>
+            <a:r>
+              <a:rPr lang="en-US" altLang="ko-KR" sz="4400" cap="none" dirty="0" smtClean="0" b="0" strike="noStrike">
+                <a:latin typeface="맑은 고딕" charset="0"/>
+                <a:ea typeface="맑은 고딕" charset="0"/>
+              </a:rPr>
+              <a:t>시연</a:t>
+            </a:r>
+            <a:endParaRPr lang="ko-KR" altLang="en-US" sz="4400" cap="none" dirty="0" smtClean="0" b="0" strike="noStrike">
+              <a:latin typeface="맑은 고딕" charset="0"/>
+              <a:ea typeface="맑은 고딕" charset="0"/>
+            </a:endParaRPr>
+          </a:p>
+        </p:txBody>
+      </p:sp>
+      <p:sp>
+        <p:nvSpPr>
+          <p:cNvPr id="20" name="텍스트 상자 19"/>
+          <p:cNvSpPr txBox="1">
+            <a:spLocks/>
+          </p:cNvSpPr>
+          <p:nvPr/>
+        </p:nvSpPr>
+        <p:spPr>
+          <a:xfrm rot="0">
+            <a:off x="8938895" y="6019165"/>
+            <a:ext cx="313690" cy="370205"/>
+          </a:xfrm>
+          <a:prstGeom prst="rect"/>
+          <a:noFill/>
+          <a:ln w="0">
+            <a:noFill/>
+            <a:prstDash/>
+          </a:ln>
+        </p:spPr>
+        <p:txBody>
           <a:bodyPr wrap="square" lIns="89535" tIns="46355" rIns="89535" bIns="46355" vert="horz" anchor="t">
             <a:spAutoFit/>
           </a:bodyPr>
@@ -10404,13 +10845,13 @@
               <a:buNone/>
             </a:pPr>
             <a:r>
-              <a:rPr lang="en-US" altLang="ko-KR" sz="4400" cap="none" dirty="0" smtClean="0" b="0" strike="noStrike">
-                <a:latin typeface="맑은 고딕" charset="0"/>
-                <a:ea typeface="맑은 고딕" charset="0"/>
-              </a:rPr>
-              <a:t>시현</a:t>
-            </a:r>
-            <a:endParaRPr lang="ko-KR" altLang="en-US" sz="4400" cap="none" dirty="0" smtClean="0" b="0" strike="noStrike">
+              <a:rPr lang="en-US" altLang="ko-KR" sz="1800" cap="none" dirty="0" smtClean="0" b="0" strike="noStrike">
+                <a:latin typeface="맑은 고딕" charset="0"/>
+                <a:ea typeface="맑은 고딕" charset="0"/>
+              </a:rPr>
+              <a:t>9</a:t>
+            </a:r>
+            <a:endParaRPr lang="ko-KR" altLang="en-US" sz="1800" cap="none" dirty="0" smtClean="0" b="0" strike="noStrike">
               <a:latin typeface="맑은 고딕" charset="0"/>
               <a:ea typeface="맑은 고딕" charset="0"/>
             </a:endParaRPr>
